--- a/Implementation.pptx
+++ b/Implementation.pptx
@@ -9,10 +9,16 @@
     <p:sldId id="296" r:id="rId3"/>
     <p:sldId id="303" r:id="rId4"/>
     <p:sldId id="297" r:id="rId5"/>
-    <p:sldId id="304" r:id="rId6"/>
-    <p:sldId id="300" r:id="rId7"/>
-    <p:sldId id="302" r:id="rId8"/>
-    <p:sldId id="301" r:id="rId9"/>
+    <p:sldId id="308" r:id="rId6"/>
+    <p:sldId id="304" r:id="rId7"/>
+    <p:sldId id="300" r:id="rId8"/>
+    <p:sldId id="302" r:id="rId9"/>
+    <p:sldId id="301" r:id="rId10"/>
+    <p:sldId id="307" r:id="rId11"/>
+    <p:sldId id="305" r:id="rId12"/>
+    <p:sldId id="306" r:id="rId13"/>
+    <p:sldId id="309" r:id="rId14"/>
+    <p:sldId id="310" r:id="rId15"/>
   </p:sldIdLst>
   <p:sldSz cx="12192000" cy="6858000"/>
   <p:notesSz cx="6858000" cy="9144000"/>
@@ -266,7 +272,7 @@
           <a:p>
             <a:fld id="{BBA5A0C1-F868-475C-9B8F-6E481085FED0}" type="datetimeFigureOut">
               <a:rPr lang="en-US" smtClean="0"/>
-              <a:t>6/20/2022</a:t>
+              <a:t>6/21/2022</a:t>
             </a:fld>
             <a:endParaRPr lang="en-US"/>
           </a:p>
@@ -464,7 +470,7 @@
           <a:p>
             <a:fld id="{BBA5A0C1-F868-475C-9B8F-6E481085FED0}" type="datetimeFigureOut">
               <a:rPr lang="en-US" smtClean="0"/>
-              <a:t>6/20/2022</a:t>
+              <a:t>6/21/2022</a:t>
             </a:fld>
             <a:endParaRPr lang="en-US"/>
           </a:p>
@@ -672,7 +678,7 @@
           <a:p>
             <a:fld id="{BBA5A0C1-F868-475C-9B8F-6E481085FED0}" type="datetimeFigureOut">
               <a:rPr lang="en-US" smtClean="0"/>
-              <a:t>6/20/2022</a:t>
+              <a:t>6/21/2022</a:t>
             </a:fld>
             <a:endParaRPr lang="en-US"/>
           </a:p>
@@ -1581,7 +1587,7 @@
           <a:p>
             <a:fld id="{BBA5A0C1-F868-475C-9B8F-6E481085FED0}" type="datetimeFigureOut">
               <a:rPr lang="en-US" smtClean="0"/>
-              <a:t>6/20/2022</a:t>
+              <a:t>6/21/2022</a:t>
             </a:fld>
             <a:endParaRPr lang="en-US"/>
           </a:p>
@@ -1856,7 +1862,7 @@
           <a:p>
             <a:fld id="{BBA5A0C1-F868-475C-9B8F-6E481085FED0}" type="datetimeFigureOut">
               <a:rPr lang="en-US" smtClean="0"/>
-              <a:t>6/20/2022</a:t>
+              <a:t>6/21/2022</a:t>
             </a:fld>
             <a:endParaRPr lang="en-US"/>
           </a:p>
@@ -2121,7 +2127,7 @@
           <a:p>
             <a:fld id="{BBA5A0C1-F868-475C-9B8F-6E481085FED0}" type="datetimeFigureOut">
               <a:rPr lang="en-US" smtClean="0"/>
-              <a:t>6/20/2022</a:t>
+              <a:t>6/21/2022</a:t>
             </a:fld>
             <a:endParaRPr lang="en-US"/>
           </a:p>
@@ -2533,7 +2539,7 @@
           <a:p>
             <a:fld id="{BBA5A0C1-F868-475C-9B8F-6E481085FED0}" type="datetimeFigureOut">
               <a:rPr lang="en-US" smtClean="0"/>
-              <a:t>6/20/2022</a:t>
+              <a:t>6/21/2022</a:t>
             </a:fld>
             <a:endParaRPr lang="en-US"/>
           </a:p>
@@ -2674,7 +2680,7 @@
           <a:p>
             <a:fld id="{BBA5A0C1-F868-475C-9B8F-6E481085FED0}" type="datetimeFigureOut">
               <a:rPr lang="en-US" smtClean="0"/>
-              <a:t>6/20/2022</a:t>
+              <a:t>6/21/2022</a:t>
             </a:fld>
             <a:endParaRPr lang="en-US"/>
           </a:p>
@@ -2787,7 +2793,7 @@
           <a:p>
             <a:fld id="{BBA5A0C1-F868-475C-9B8F-6E481085FED0}" type="datetimeFigureOut">
               <a:rPr lang="en-US" smtClean="0"/>
-              <a:t>6/20/2022</a:t>
+              <a:t>6/21/2022</a:t>
             </a:fld>
             <a:endParaRPr lang="en-US"/>
           </a:p>
@@ -3098,7 +3104,7 @@
           <a:p>
             <a:fld id="{BBA5A0C1-F868-475C-9B8F-6E481085FED0}" type="datetimeFigureOut">
               <a:rPr lang="en-US" smtClean="0"/>
-              <a:t>6/20/2022</a:t>
+              <a:t>6/21/2022</a:t>
             </a:fld>
             <a:endParaRPr lang="en-US"/>
           </a:p>
@@ -3386,7 +3392,7 @@
           <a:p>
             <a:fld id="{BBA5A0C1-F868-475C-9B8F-6E481085FED0}" type="datetimeFigureOut">
               <a:rPr lang="en-US" smtClean="0"/>
-              <a:t>6/20/2022</a:t>
+              <a:t>6/21/2022</a:t>
             </a:fld>
             <a:endParaRPr lang="en-US"/>
           </a:p>
@@ -3627,7 +3633,7 @@
           <a:p>
             <a:fld id="{BBA5A0C1-F868-475C-9B8F-6E481085FED0}" type="datetimeFigureOut">
               <a:rPr lang="en-US" smtClean="0"/>
-              <a:t>6/20/2022</a:t>
+              <a:t>6/21/2022</a:t>
             </a:fld>
             <a:endParaRPr lang="en-US"/>
           </a:p>
@@ -4173,6 +4179,458 @@
 </p:sld>
 </file>
 
+<file path=ppt/slides/slide10.xml><?xml version="1.0" encoding="utf-8"?>
+<p:sld xmlns:a="http://schemas.openxmlformats.org/drawingml/2006/main" xmlns:r="http://schemas.openxmlformats.org/officeDocument/2006/relationships" xmlns:p="http://schemas.openxmlformats.org/presentationml/2006/main">
+  <p:cSld>
+    <p:spTree>
+      <p:nvGrpSpPr>
+        <p:cNvPr id="1" name=""/>
+        <p:cNvGrpSpPr/>
+        <p:nvPr/>
+      </p:nvGrpSpPr>
+      <p:grpSpPr>
+        <a:xfrm>
+          <a:off x="0" y="0"/>
+          <a:ext cx="0" cy="0"/>
+          <a:chOff x="0" y="0"/>
+          <a:chExt cx="0" cy="0"/>
+        </a:xfrm>
+      </p:grpSpPr>
+      <p:sp>
+        <p:nvSpPr>
+          <p:cNvPr id="2" name="Title 1">
+            <a:extLst>
+              <a:ext uri="{FF2B5EF4-FFF2-40B4-BE49-F238E27FC236}">
+                <a16:creationId xmlns:a16="http://schemas.microsoft.com/office/drawing/2014/main" id="{A14B3F19-152D-4B77-8F94-8B4B4EBECA96}"/>
+              </a:ext>
+            </a:extLst>
+          </p:cNvPr>
+          <p:cNvSpPr>
+            <a:spLocks noGrp="1"/>
+          </p:cNvSpPr>
+          <p:nvPr>
+            <p:ph type="title"/>
+          </p:nvPr>
+        </p:nvSpPr>
+        <p:spPr/>
+        <p:txBody>
+          <a:bodyPr/>
+          <a:lstStyle/>
+          <a:p>
+            <a:endParaRPr lang="en-US"/>
+          </a:p>
+        </p:txBody>
+      </p:sp>
+      <p:sp>
+        <p:nvSpPr>
+          <p:cNvPr id="3" name="Content Placeholder 2">
+            <a:extLst>
+              <a:ext uri="{FF2B5EF4-FFF2-40B4-BE49-F238E27FC236}">
+                <a16:creationId xmlns:a16="http://schemas.microsoft.com/office/drawing/2014/main" id="{494BB3FB-B116-4309-9DD9-70A4D917350D}"/>
+              </a:ext>
+            </a:extLst>
+          </p:cNvPr>
+          <p:cNvSpPr>
+            <a:spLocks noGrp="1"/>
+          </p:cNvSpPr>
+          <p:nvPr>
+            <p:ph idx="1"/>
+          </p:nvPr>
+        </p:nvSpPr>
+        <p:spPr/>
+        <p:txBody>
+          <a:bodyPr/>
+          <a:lstStyle/>
+          <a:p>
+            <a:endParaRPr lang="en-US"/>
+          </a:p>
+        </p:txBody>
+      </p:sp>
+    </p:spTree>
+    <p:extLst>
+      <p:ext uri="{BB962C8B-B14F-4D97-AF65-F5344CB8AC3E}">
+        <p14:creationId xmlns:p14="http://schemas.microsoft.com/office/powerpoint/2010/main" val="2184044669"/>
+      </p:ext>
+    </p:extLst>
+  </p:cSld>
+  <p:clrMapOvr>
+    <a:masterClrMapping/>
+  </p:clrMapOvr>
+</p:sld>
+</file>
+
+<file path=ppt/slides/slide11.xml><?xml version="1.0" encoding="utf-8"?>
+<p:sld xmlns:a="http://schemas.openxmlformats.org/drawingml/2006/main" xmlns:r="http://schemas.openxmlformats.org/officeDocument/2006/relationships" xmlns:p="http://schemas.openxmlformats.org/presentationml/2006/main">
+  <p:cSld>
+    <p:spTree>
+      <p:nvGrpSpPr>
+        <p:cNvPr id="1" name=""/>
+        <p:cNvGrpSpPr/>
+        <p:nvPr/>
+      </p:nvGrpSpPr>
+      <p:grpSpPr>
+        <a:xfrm>
+          <a:off x="0" y="0"/>
+          <a:ext cx="0" cy="0"/>
+          <a:chOff x="0" y="0"/>
+          <a:chExt cx="0" cy="0"/>
+        </a:xfrm>
+      </p:grpSpPr>
+      <p:sp>
+        <p:nvSpPr>
+          <p:cNvPr id="2" name="Title 1">
+            <a:extLst>
+              <a:ext uri="{FF2B5EF4-FFF2-40B4-BE49-F238E27FC236}">
+                <a16:creationId xmlns:a16="http://schemas.microsoft.com/office/drawing/2014/main" id="{2F727D4B-27D5-471F-BEBC-FA78D1F456FA}"/>
+              </a:ext>
+            </a:extLst>
+          </p:cNvPr>
+          <p:cNvSpPr>
+            <a:spLocks noGrp="1"/>
+          </p:cNvSpPr>
+          <p:nvPr>
+            <p:ph type="title"/>
+          </p:nvPr>
+        </p:nvSpPr>
+        <p:spPr/>
+        <p:txBody>
+          <a:bodyPr/>
+          <a:lstStyle/>
+          <a:p>
+            <a:r>
+              <a:rPr lang="en-US" dirty="0"/>
+              <a:t>Avg Pool Layer</a:t>
+            </a:r>
+          </a:p>
+        </p:txBody>
+      </p:sp>
+      <p:pic>
+        <p:nvPicPr>
+          <p:cNvPr id="5" name="Content Placeholder 4">
+            <a:extLst>
+              <a:ext uri="{FF2B5EF4-FFF2-40B4-BE49-F238E27FC236}">
+                <a16:creationId xmlns:a16="http://schemas.microsoft.com/office/drawing/2014/main" id="{9B70E50E-D793-4998-A844-A492F9CE10DC}"/>
+              </a:ext>
+            </a:extLst>
+          </p:cNvPr>
+          <p:cNvPicPr>
+            <a:picLocks noGrp="1" noChangeAspect="1"/>
+          </p:cNvPicPr>
+          <p:nvPr>
+            <p:ph idx="1"/>
+          </p:nvPr>
+        </p:nvPicPr>
+        <p:blipFill>
+          <a:blip r:embed="rId2">
+            <a:extLst>
+              <a:ext uri="{28A0092B-C50C-407E-A947-70E740481C1C}">
+                <a14:useLocalDpi xmlns:a14="http://schemas.microsoft.com/office/drawing/2010/main" val="0"/>
+              </a:ext>
+            </a:extLst>
+          </a:blip>
+          <a:stretch>
+            <a:fillRect/>
+          </a:stretch>
+        </p:blipFill>
+        <p:spPr>
+          <a:xfrm>
+            <a:off x="1193587" y="1441904"/>
+            <a:ext cx="9804826" cy="5050971"/>
+          </a:xfrm>
+        </p:spPr>
+      </p:pic>
+    </p:spTree>
+    <p:extLst>
+      <p:ext uri="{BB962C8B-B14F-4D97-AF65-F5344CB8AC3E}">
+        <p14:creationId xmlns:p14="http://schemas.microsoft.com/office/powerpoint/2010/main" val="2681050243"/>
+      </p:ext>
+    </p:extLst>
+  </p:cSld>
+  <p:clrMapOvr>
+    <a:masterClrMapping/>
+  </p:clrMapOvr>
+</p:sld>
+</file>
+
+<file path=ppt/slides/slide12.xml><?xml version="1.0" encoding="utf-8"?>
+<p:sld xmlns:a="http://schemas.openxmlformats.org/drawingml/2006/main" xmlns:r="http://schemas.openxmlformats.org/officeDocument/2006/relationships" xmlns:p="http://schemas.openxmlformats.org/presentationml/2006/main">
+  <p:cSld>
+    <p:spTree>
+      <p:nvGrpSpPr>
+        <p:cNvPr id="1" name=""/>
+        <p:cNvGrpSpPr/>
+        <p:nvPr/>
+      </p:nvGrpSpPr>
+      <p:grpSpPr>
+        <a:xfrm>
+          <a:off x="0" y="0"/>
+          <a:ext cx="0" cy="0"/>
+          <a:chOff x="0" y="0"/>
+          <a:chExt cx="0" cy="0"/>
+        </a:xfrm>
+      </p:grpSpPr>
+      <p:sp>
+        <p:nvSpPr>
+          <p:cNvPr id="2" name="Title 1">
+            <a:extLst>
+              <a:ext uri="{FF2B5EF4-FFF2-40B4-BE49-F238E27FC236}">
+                <a16:creationId xmlns:a16="http://schemas.microsoft.com/office/drawing/2014/main" id="{2F727D4B-27D5-471F-BEBC-FA78D1F456FA}"/>
+              </a:ext>
+            </a:extLst>
+          </p:cNvPr>
+          <p:cNvSpPr>
+            <a:spLocks noGrp="1"/>
+          </p:cNvSpPr>
+          <p:nvPr>
+            <p:ph type="title"/>
+          </p:nvPr>
+        </p:nvSpPr>
+        <p:spPr/>
+        <p:txBody>
+          <a:bodyPr/>
+          <a:lstStyle/>
+          <a:p>
+            <a:r>
+              <a:rPr lang="en-US" dirty="0"/>
+              <a:t>Max Pool Layer</a:t>
+            </a:r>
+          </a:p>
+        </p:txBody>
+      </p:sp>
+      <p:pic>
+        <p:nvPicPr>
+          <p:cNvPr id="7" name="Content Placeholder 6">
+            <a:extLst>
+              <a:ext uri="{FF2B5EF4-FFF2-40B4-BE49-F238E27FC236}">
+                <a16:creationId xmlns:a16="http://schemas.microsoft.com/office/drawing/2014/main" id="{B2B16B9E-C11B-429C-B323-5B9E3C98D7B9}"/>
+              </a:ext>
+            </a:extLst>
+          </p:cNvPr>
+          <p:cNvPicPr>
+            <a:picLocks noGrp="1" noChangeAspect="1"/>
+          </p:cNvPicPr>
+          <p:nvPr>
+            <p:ph idx="1"/>
+          </p:nvPr>
+        </p:nvPicPr>
+        <p:blipFill>
+          <a:blip r:embed="rId2">
+            <a:extLst>
+              <a:ext uri="{28A0092B-C50C-407E-A947-70E740481C1C}">
+                <a14:useLocalDpi xmlns:a14="http://schemas.microsoft.com/office/drawing/2010/main" val="0"/>
+              </a:ext>
+            </a:extLst>
+          </a:blip>
+          <a:stretch>
+            <a:fillRect/>
+          </a:stretch>
+        </p:blipFill>
+        <p:spPr>
+          <a:xfrm>
+            <a:off x="1011895" y="1314506"/>
+            <a:ext cx="10168209" cy="5265456"/>
+          </a:xfrm>
+        </p:spPr>
+      </p:pic>
+    </p:spTree>
+    <p:extLst>
+      <p:ext uri="{BB962C8B-B14F-4D97-AF65-F5344CB8AC3E}">
+        <p14:creationId xmlns:p14="http://schemas.microsoft.com/office/powerpoint/2010/main" val="1451083969"/>
+      </p:ext>
+    </p:extLst>
+  </p:cSld>
+  <p:clrMapOvr>
+    <a:masterClrMapping/>
+  </p:clrMapOvr>
+</p:sld>
+</file>
+
+<file path=ppt/slides/slide13.xml><?xml version="1.0" encoding="utf-8"?>
+<p:sld xmlns:a="http://schemas.openxmlformats.org/drawingml/2006/main" xmlns:r="http://schemas.openxmlformats.org/officeDocument/2006/relationships" xmlns:p="http://schemas.openxmlformats.org/presentationml/2006/main">
+  <p:cSld>
+    <p:spTree>
+      <p:nvGrpSpPr>
+        <p:cNvPr id="1" name=""/>
+        <p:cNvGrpSpPr/>
+        <p:nvPr/>
+      </p:nvGrpSpPr>
+      <p:grpSpPr>
+        <a:xfrm>
+          <a:off x="0" y="0"/>
+          <a:ext cx="0" cy="0"/>
+          <a:chOff x="0" y="0"/>
+          <a:chExt cx="0" cy="0"/>
+        </a:xfrm>
+      </p:grpSpPr>
+      <p:sp>
+        <p:nvSpPr>
+          <p:cNvPr id="2" name="Title 1">
+            <a:extLst>
+              <a:ext uri="{FF2B5EF4-FFF2-40B4-BE49-F238E27FC236}">
+                <a16:creationId xmlns:a16="http://schemas.microsoft.com/office/drawing/2014/main" id="{2F727D4B-27D5-471F-BEBC-FA78D1F456FA}"/>
+              </a:ext>
+            </a:extLst>
+          </p:cNvPr>
+          <p:cNvSpPr>
+            <a:spLocks noGrp="1"/>
+          </p:cNvSpPr>
+          <p:nvPr>
+            <p:ph type="title"/>
+          </p:nvPr>
+        </p:nvSpPr>
+        <p:spPr/>
+        <p:txBody>
+          <a:bodyPr/>
+          <a:lstStyle/>
+          <a:p>
+            <a:r>
+              <a:rPr lang="en-US" dirty="0"/>
+              <a:t>Avg Pool Layer - Multichannel</a:t>
+            </a:r>
+          </a:p>
+        </p:txBody>
+      </p:sp>
+      <p:pic>
+        <p:nvPicPr>
+          <p:cNvPr id="6" name="Content Placeholder 5">
+            <a:extLst>
+              <a:ext uri="{FF2B5EF4-FFF2-40B4-BE49-F238E27FC236}">
+                <a16:creationId xmlns:a16="http://schemas.microsoft.com/office/drawing/2014/main" id="{61E7ADD3-7DDF-4717-81D4-AB72107B6A2E}"/>
+              </a:ext>
+            </a:extLst>
+          </p:cNvPr>
+          <p:cNvPicPr>
+            <a:picLocks noGrp="1" noChangeAspect="1"/>
+          </p:cNvPicPr>
+          <p:nvPr>
+            <p:ph idx="1"/>
+          </p:nvPr>
+        </p:nvPicPr>
+        <p:blipFill>
+          <a:blip r:embed="rId2">
+            <a:extLst>
+              <a:ext uri="{28A0092B-C50C-407E-A947-70E740481C1C}">
+                <a14:useLocalDpi xmlns:a14="http://schemas.microsoft.com/office/drawing/2010/main" val="0"/>
+              </a:ext>
+            </a:extLst>
+          </a:blip>
+          <a:stretch>
+            <a:fillRect/>
+          </a:stretch>
+        </p:blipFill>
+        <p:spPr>
+          <a:xfrm>
+            <a:off x="2402409" y="1430541"/>
+            <a:ext cx="7387182" cy="5174909"/>
+          </a:xfrm>
+        </p:spPr>
+      </p:pic>
+    </p:spTree>
+    <p:extLst>
+      <p:ext uri="{BB962C8B-B14F-4D97-AF65-F5344CB8AC3E}">
+        <p14:creationId xmlns:p14="http://schemas.microsoft.com/office/powerpoint/2010/main" val="2787885710"/>
+      </p:ext>
+    </p:extLst>
+  </p:cSld>
+  <p:clrMapOvr>
+    <a:masterClrMapping/>
+  </p:clrMapOvr>
+</p:sld>
+</file>
+
+<file path=ppt/slides/slide14.xml><?xml version="1.0" encoding="utf-8"?>
+<p:sld xmlns:a="http://schemas.openxmlformats.org/drawingml/2006/main" xmlns:r="http://schemas.openxmlformats.org/officeDocument/2006/relationships" xmlns:p="http://schemas.openxmlformats.org/presentationml/2006/main">
+  <p:cSld>
+    <p:spTree>
+      <p:nvGrpSpPr>
+        <p:cNvPr id="1" name=""/>
+        <p:cNvGrpSpPr/>
+        <p:nvPr/>
+      </p:nvGrpSpPr>
+      <p:grpSpPr>
+        <a:xfrm>
+          <a:off x="0" y="0"/>
+          <a:ext cx="0" cy="0"/>
+          <a:chOff x="0" y="0"/>
+          <a:chExt cx="0" cy="0"/>
+        </a:xfrm>
+      </p:grpSpPr>
+      <p:sp>
+        <p:nvSpPr>
+          <p:cNvPr id="2" name="Title 1">
+            <a:extLst>
+              <a:ext uri="{FF2B5EF4-FFF2-40B4-BE49-F238E27FC236}">
+                <a16:creationId xmlns:a16="http://schemas.microsoft.com/office/drawing/2014/main" id="{2F727D4B-27D5-471F-BEBC-FA78D1F456FA}"/>
+              </a:ext>
+            </a:extLst>
+          </p:cNvPr>
+          <p:cNvSpPr>
+            <a:spLocks noGrp="1"/>
+          </p:cNvSpPr>
+          <p:nvPr>
+            <p:ph type="title"/>
+          </p:nvPr>
+        </p:nvSpPr>
+        <p:spPr/>
+        <p:txBody>
+          <a:bodyPr/>
+          <a:lstStyle/>
+          <a:p>
+            <a:r>
+              <a:rPr lang="en-US" dirty="0"/>
+              <a:t>Max Pool Layer - Multichannel</a:t>
+            </a:r>
+          </a:p>
+        </p:txBody>
+      </p:sp>
+      <p:pic>
+        <p:nvPicPr>
+          <p:cNvPr id="7" name="Content Placeholder 6">
+            <a:extLst>
+              <a:ext uri="{FF2B5EF4-FFF2-40B4-BE49-F238E27FC236}">
+                <a16:creationId xmlns:a16="http://schemas.microsoft.com/office/drawing/2014/main" id="{CC7A75E1-F658-441C-95A3-7C1BD7A17D04}"/>
+              </a:ext>
+            </a:extLst>
+          </p:cNvPr>
+          <p:cNvPicPr>
+            <a:picLocks noGrp="1" noChangeAspect="1"/>
+          </p:cNvPicPr>
+          <p:nvPr>
+            <p:ph idx="1"/>
+          </p:nvPr>
+        </p:nvPicPr>
+        <p:blipFill>
+          <a:blip r:embed="rId2">
+            <a:extLst>
+              <a:ext uri="{28A0092B-C50C-407E-A947-70E740481C1C}">
+                <a14:useLocalDpi xmlns:a14="http://schemas.microsoft.com/office/drawing/2010/main" val="0"/>
+              </a:ext>
+            </a:extLst>
+          </a:blip>
+          <a:stretch>
+            <a:fillRect/>
+          </a:stretch>
+        </p:blipFill>
+        <p:spPr>
+          <a:xfrm>
+            <a:off x="1976846" y="1223744"/>
+            <a:ext cx="8526371" cy="5526602"/>
+          </a:xfrm>
+        </p:spPr>
+      </p:pic>
+    </p:spTree>
+    <p:extLst>
+      <p:ext uri="{BB962C8B-B14F-4D97-AF65-F5344CB8AC3E}">
+        <p14:creationId xmlns:p14="http://schemas.microsoft.com/office/powerpoint/2010/main" val="113328698"/>
+      </p:ext>
+    </p:extLst>
+  </p:cSld>
+  <p:clrMapOvr>
+    <a:masterClrMapping/>
+  </p:clrMapOvr>
+</p:sld>
+</file>
+
 <file path=ppt/slides/slide2.xml><?xml version="1.0" encoding="utf-8"?>
 <p:sld xmlns:a="http://schemas.openxmlformats.org/drawingml/2006/main" xmlns:r="http://schemas.openxmlformats.org/officeDocument/2006/relationships" xmlns:p="http://schemas.openxmlformats.org/presentationml/2006/main">
   <p:cSld>
@@ -4618,47 +5076,12 @@
           <a:chExt cx="0" cy="0"/>
         </a:xfrm>
       </p:grpSpPr>
-      <p:pic>
-        <p:nvPicPr>
-          <p:cNvPr id="5" name="Picture 4">
-            <a:extLst>
-              <a:ext uri="{FF2B5EF4-FFF2-40B4-BE49-F238E27FC236}">
-                <a16:creationId xmlns:a16="http://schemas.microsoft.com/office/drawing/2014/main" id="{FEECDD46-FACC-3AC5-CF05-F0CA98C988C6}"/>
-              </a:ext>
-            </a:extLst>
-          </p:cNvPr>
-          <p:cNvPicPr>
-            <a:picLocks noChangeAspect="1"/>
-          </p:cNvPicPr>
-          <p:nvPr/>
-        </p:nvPicPr>
-        <p:blipFill>
-          <a:blip r:embed="rId2">
-            <a:extLst>
-              <a:ext uri="{28A0092B-C50C-407E-A947-70E740481C1C}">
-                <a14:useLocalDpi xmlns:a14="http://schemas.microsoft.com/office/drawing/2010/main" val="0"/>
-              </a:ext>
-            </a:extLst>
-          </a:blip>
-          <a:srcRect/>
-          <a:stretch/>
-        </p:blipFill>
-        <p:spPr>
-          <a:xfrm>
-            <a:off x="3257550" y="534030"/>
-            <a:ext cx="7658100" cy="6173887"/>
-          </a:xfrm>
-          <a:prstGeom prst="rect">
-            <a:avLst/>
-          </a:prstGeom>
-        </p:spPr>
-      </p:pic>
       <p:sp>
         <p:nvSpPr>
           <p:cNvPr id="2" name="Title 1">
             <a:extLst>
               <a:ext uri="{FF2B5EF4-FFF2-40B4-BE49-F238E27FC236}">
-                <a16:creationId xmlns:a16="http://schemas.microsoft.com/office/drawing/2014/main" id="{097E1D80-4CD5-1199-05B9-71200C5B8576}"/>
+                <a16:creationId xmlns:a16="http://schemas.microsoft.com/office/drawing/2014/main" id="{2C3E7D29-7561-46B3-9887-502A149D9CAD}"/>
               </a:ext>
             </a:extLst>
           </p:cNvPr>
@@ -4674,10 +5097,7 @@
           <a:bodyPr/>
           <a:lstStyle/>
           <a:p>
-            <a:r>
-              <a:rPr lang="en-US" dirty="0"/>
-              <a:t>Implementation</a:t>
-            </a:r>
+            <a:endParaRPr lang="en-US"/>
           </a:p>
         </p:txBody>
       </p:sp>
@@ -4686,7 +5106,7 @@
           <p:cNvPr id="3" name="Content Placeholder 2">
             <a:extLst>
               <a:ext uri="{FF2B5EF4-FFF2-40B4-BE49-F238E27FC236}">
-                <a16:creationId xmlns:a16="http://schemas.microsoft.com/office/drawing/2014/main" id="{C3DA3332-6C67-9D74-0045-5C6C2785EC49}"/>
+                <a16:creationId xmlns:a16="http://schemas.microsoft.com/office/drawing/2014/main" id="{3098CA29-F57B-4616-8523-CC8AF656DB7B}"/>
               </a:ext>
             </a:extLst>
           </p:cNvPr>
@@ -4697,27 +5117,19 @@
             <p:ph idx="1"/>
           </p:nvPr>
         </p:nvSpPr>
-        <p:spPr>
-          <a:xfrm>
-            <a:off x="838200" y="1825625"/>
-            <a:ext cx="10515600" cy="742084"/>
-          </a:xfrm>
-        </p:spPr>
-        <p:txBody>
-          <a:bodyPr/>
-          <a:lstStyle/>
-          <a:p>
-            <a:r>
-              <a:rPr lang="en-US" dirty="0"/>
-              <a:t>FPGA Board</a:t>
-            </a:r>
+        <p:spPr/>
+        <p:txBody>
+          <a:bodyPr/>
+          <a:lstStyle/>
+          <a:p>
+            <a:endParaRPr lang="en-US"/>
           </a:p>
         </p:txBody>
       </p:sp>
     </p:spTree>
     <p:extLst>
       <p:ext uri="{BB962C8B-B14F-4D97-AF65-F5344CB8AC3E}">
-        <p14:creationId xmlns:p14="http://schemas.microsoft.com/office/powerpoint/2010/main" val="620936523"/>
+        <p14:creationId xmlns:p14="http://schemas.microsoft.com/office/powerpoint/2010/main" val="2073151650"/>
       </p:ext>
     </p:extLst>
   </p:cSld>
@@ -4744,124 +5156,98 @@
           <a:chExt cx="0" cy="0"/>
         </a:xfrm>
       </p:grpSpPr>
-      <p:sp>
-        <p:nvSpPr>
-          <p:cNvPr id="2" name="Slide Number Placeholder 1">
-            <a:extLst>
-              <a:ext uri="{FF2B5EF4-FFF2-40B4-BE49-F238E27FC236}">
-                <a16:creationId xmlns:a16="http://schemas.microsoft.com/office/drawing/2014/main" id="{D62AB340-56D3-C708-F8E7-6D44F31CF9E5}"/>
-              </a:ext>
-            </a:extLst>
-          </p:cNvPr>
-          <p:cNvSpPr>
-            <a:spLocks noGrp="1"/>
-          </p:cNvSpPr>
-          <p:nvPr>
-            <p:ph type="sldNum" sz="quarter" idx="12"/>
-          </p:nvPr>
-        </p:nvSpPr>
-        <p:spPr/>
-        <p:txBody>
-          <a:bodyPr/>
-          <a:lstStyle/>
-          <a:p>
-            <a:fld id="{9EC71654-96A5-4280-94F3-931C61A9F92C}" type="slidenum">
-              <a:rPr lang="en-US" noProof="0" smtClean="0"/>
-              <a:pPr/>
-              <a:t>6</a:t>
-            </a:fld>
-            <a:endParaRPr lang="en-US" noProof="0" dirty="0"/>
-          </a:p>
-        </p:txBody>
-      </p:sp>
       <p:pic>
         <p:nvPicPr>
-          <p:cNvPr id="6" name="Content Placeholder 5">
-            <a:extLst>
-              <a:ext uri="{FF2B5EF4-FFF2-40B4-BE49-F238E27FC236}">
-                <a16:creationId xmlns:a16="http://schemas.microsoft.com/office/drawing/2014/main" id="{30B4A1C7-710F-527C-230F-AF3D08972F4A}"/>
+          <p:cNvPr id="5" name="Picture 4">
+            <a:extLst>
+              <a:ext uri="{FF2B5EF4-FFF2-40B4-BE49-F238E27FC236}">
+                <a16:creationId xmlns:a16="http://schemas.microsoft.com/office/drawing/2014/main" id="{FEECDD46-FACC-3AC5-CF05-F0CA98C988C6}"/>
               </a:ext>
             </a:extLst>
           </p:cNvPr>
           <p:cNvPicPr>
-            <a:picLocks noGrp="1" noChangeAspect="1"/>
+            <a:picLocks noChangeAspect="1"/>
           </p:cNvPicPr>
-          <p:nvPr>
-            <p:ph idx="1"/>
-          </p:nvPr>
+          <p:nvPr/>
         </p:nvPicPr>
         <p:blipFill>
-          <a:blip r:embed="rId2"/>
-          <a:stretch>
-            <a:fillRect/>
-          </a:stretch>
+          <a:blip r:embed="rId2">
+            <a:extLst>
+              <a:ext uri="{28A0092B-C50C-407E-A947-70E740481C1C}">
+                <a14:useLocalDpi xmlns:a14="http://schemas.microsoft.com/office/drawing/2010/main" val="0"/>
+              </a:ext>
+            </a:extLst>
+          </a:blip>
+          <a:srcRect/>
+          <a:stretch/>
         </p:blipFill>
         <p:spPr>
           <a:xfrm>
-            <a:off x="350454" y="3724732"/>
-            <a:ext cx="11481568" cy="920336"/>
-          </a:xfrm>
-        </p:spPr>
-      </p:pic>
-      <p:sp>
-        <p:nvSpPr>
-          <p:cNvPr id="4" name="Title 3">
-            <a:extLst>
-              <a:ext uri="{FF2B5EF4-FFF2-40B4-BE49-F238E27FC236}">
-                <a16:creationId xmlns:a16="http://schemas.microsoft.com/office/drawing/2014/main" id="{3E945321-B8E7-7AEA-A2F3-9ED65940C401}"/>
-              </a:ext>
-            </a:extLst>
-          </p:cNvPr>
-          <p:cNvSpPr>
-            <a:spLocks noGrp="1"/>
-          </p:cNvSpPr>
-          <p:nvPr>
-            <p:ph type="title"/>
-          </p:nvPr>
-        </p:nvSpPr>
-        <p:spPr/>
-        <p:txBody>
-          <a:bodyPr/>
-          <a:lstStyle/>
-          <a:p>
-            <a:r>
-              <a:rPr lang="en-US" dirty="0"/>
-              <a:t>Implementation</a:t>
-            </a:r>
-          </a:p>
-        </p:txBody>
-      </p:sp>
-      <p:sp>
-        <p:nvSpPr>
-          <p:cNvPr id="7" name="TextBox 6">
-            <a:extLst>
-              <a:ext uri="{FF2B5EF4-FFF2-40B4-BE49-F238E27FC236}">
-                <a16:creationId xmlns:a16="http://schemas.microsoft.com/office/drawing/2014/main" id="{C757D481-9CEE-9344-D574-B3F9FB49A077}"/>
-              </a:ext>
-            </a:extLst>
-          </p:cNvPr>
-          <p:cNvSpPr txBox="1"/>
-          <p:nvPr/>
-        </p:nvSpPr>
-        <p:spPr>
-          <a:xfrm>
-            <a:off x="515936" y="1311564"/>
-            <a:ext cx="2827627" cy="526471"/>
+            <a:off x="3257550" y="534030"/>
+            <a:ext cx="7658100" cy="6173887"/>
           </a:xfrm>
           <a:prstGeom prst="rect">
             <a:avLst/>
           </a:prstGeom>
-          <a:noFill/>
         </p:spPr>
-        <p:txBody>
-          <a:bodyPr wrap="square" rtlCol="0">
-            <a:spAutoFit/>
-          </a:bodyPr>
-          <a:lstStyle/>
-          <a:p>
-            <a:r>
-              <a:rPr lang="en-US" sz="2800" b="1" dirty="0"/>
-              <a:t>Hardware Model</a:t>
+      </p:pic>
+      <p:sp>
+        <p:nvSpPr>
+          <p:cNvPr id="2" name="Title 1">
+            <a:extLst>
+              <a:ext uri="{FF2B5EF4-FFF2-40B4-BE49-F238E27FC236}">
+                <a16:creationId xmlns:a16="http://schemas.microsoft.com/office/drawing/2014/main" id="{097E1D80-4CD5-1199-05B9-71200C5B8576}"/>
+              </a:ext>
+            </a:extLst>
+          </p:cNvPr>
+          <p:cNvSpPr>
+            <a:spLocks noGrp="1"/>
+          </p:cNvSpPr>
+          <p:nvPr>
+            <p:ph type="title"/>
+          </p:nvPr>
+        </p:nvSpPr>
+        <p:spPr/>
+        <p:txBody>
+          <a:bodyPr/>
+          <a:lstStyle/>
+          <a:p>
+            <a:r>
+              <a:rPr lang="en-US" dirty="0"/>
+              <a:t>Implementation</a:t>
+            </a:r>
+          </a:p>
+        </p:txBody>
+      </p:sp>
+      <p:sp>
+        <p:nvSpPr>
+          <p:cNvPr id="3" name="Content Placeholder 2">
+            <a:extLst>
+              <a:ext uri="{FF2B5EF4-FFF2-40B4-BE49-F238E27FC236}">
+                <a16:creationId xmlns:a16="http://schemas.microsoft.com/office/drawing/2014/main" id="{C3DA3332-6C67-9D74-0045-5C6C2785EC49}"/>
+              </a:ext>
+            </a:extLst>
+          </p:cNvPr>
+          <p:cNvSpPr>
+            <a:spLocks noGrp="1"/>
+          </p:cNvSpPr>
+          <p:nvPr>
+            <p:ph idx="1"/>
+          </p:nvPr>
+        </p:nvSpPr>
+        <p:spPr>
+          <a:xfrm>
+            <a:off x="838200" y="1825625"/>
+            <a:ext cx="10515600" cy="742084"/>
+          </a:xfrm>
+        </p:spPr>
+        <p:txBody>
+          <a:bodyPr/>
+          <a:lstStyle/>
+          <a:p>
+            <a:r>
+              <a:rPr lang="en-US" dirty="0"/>
+              <a:t>FPGA Board</a:t>
             </a:r>
           </a:p>
         </p:txBody>
@@ -4869,7 +5255,7 @@
     </p:spTree>
     <p:extLst>
       <p:ext uri="{BB962C8B-B14F-4D97-AF65-F5344CB8AC3E}">
-        <p14:creationId xmlns:p14="http://schemas.microsoft.com/office/powerpoint/2010/main" val="338960499"/>
+        <p14:creationId xmlns:p14="http://schemas.microsoft.com/office/powerpoint/2010/main" val="620936523"/>
       </p:ext>
     </p:extLst>
   </p:cSld>
@@ -4901,7 +5287,7 @@
           <p:cNvPr id="2" name="Slide Number Placeholder 1">
             <a:extLst>
               <a:ext uri="{FF2B5EF4-FFF2-40B4-BE49-F238E27FC236}">
-                <a16:creationId xmlns:a16="http://schemas.microsoft.com/office/drawing/2014/main" id="{9CC32EF3-08B2-F448-FA1D-F5F24D6EF4FF}"/>
+                <a16:creationId xmlns:a16="http://schemas.microsoft.com/office/drawing/2014/main" id="{D62AB340-56D3-C708-F8E7-6D44F31CF9E5}"/>
               </a:ext>
             </a:extLst>
           </p:cNvPr>
@@ -4928,10 +5314,10 @@
       </p:sp>
       <p:pic>
         <p:nvPicPr>
-          <p:cNvPr id="6" name="Content Placeholder 5" descr="Text, letter&#10;&#10;Description automatically generated">
-            <a:extLst>
-              <a:ext uri="{FF2B5EF4-FFF2-40B4-BE49-F238E27FC236}">
-                <a16:creationId xmlns:a16="http://schemas.microsoft.com/office/drawing/2014/main" id="{F65F3140-4E34-5404-3029-FF8DC010D445}"/>
+          <p:cNvPr id="6" name="Content Placeholder 5">
+            <a:extLst>
+              <a:ext uri="{FF2B5EF4-FFF2-40B4-BE49-F238E27FC236}">
+                <a16:creationId xmlns:a16="http://schemas.microsoft.com/office/drawing/2014/main" id="{30B4A1C7-710F-527C-230F-AF3D08972F4A}"/>
               </a:ext>
             </a:extLst>
           </p:cNvPr>
@@ -4950,8 +5336,8 @@
         </p:blipFill>
         <p:spPr>
           <a:xfrm>
-            <a:off x="1951603" y="1779410"/>
-            <a:ext cx="8279270" cy="3299180"/>
+            <a:off x="350454" y="3724732"/>
+            <a:ext cx="11481568" cy="920336"/>
           </a:xfrm>
         </p:spPr>
       </p:pic>
@@ -4960,7 +5346,7 @@
           <p:cNvPr id="4" name="Title 3">
             <a:extLst>
               <a:ext uri="{FF2B5EF4-FFF2-40B4-BE49-F238E27FC236}">
-                <a16:creationId xmlns:a16="http://schemas.microsoft.com/office/drawing/2014/main" id="{A4307B65-0F23-7803-2405-E236A4493204}"/>
+                <a16:creationId xmlns:a16="http://schemas.microsoft.com/office/drawing/2014/main" id="{3E945321-B8E7-7AEA-A2F3-9ED65940C401}"/>
               </a:ext>
             </a:extLst>
           </p:cNvPr>
@@ -4983,51 +5369,21 @@
           </a:p>
         </p:txBody>
       </p:sp>
-      <p:pic>
-        <p:nvPicPr>
-          <p:cNvPr id="8" name="Picture 7" descr="A picture containing text&#10;&#10;Description automatically generated">
-            <a:extLst>
-              <a:ext uri="{FF2B5EF4-FFF2-40B4-BE49-F238E27FC236}">
-                <a16:creationId xmlns:a16="http://schemas.microsoft.com/office/drawing/2014/main" id="{07757338-4CE8-542D-9D0D-18EB48561089}"/>
-              </a:ext>
-            </a:extLst>
-          </p:cNvPr>
-          <p:cNvPicPr>
-            <a:picLocks noChangeAspect="1"/>
-          </p:cNvPicPr>
+      <p:sp>
+        <p:nvSpPr>
+          <p:cNvPr id="7" name="TextBox 6">
+            <a:extLst>
+              <a:ext uri="{FF2B5EF4-FFF2-40B4-BE49-F238E27FC236}">
+                <a16:creationId xmlns:a16="http://schemas.microsoft.com/office/drawing/2014/main" id="{C757D481-9CEE-9344-D574-B3F9FB49A077}"/>
+              </a:ext>
+            </a:extLst>
+          </p:cNvPr>
+          <p:cNvSpPr txBox="1"/>
           <p:nvPr/>
-        </p:nvPicPr>
-        <p:blipFill>
-          <a:blip r:embed="rId3"/>
-          <a:stretch>
-            <a:fillRect/>
-          </a:stretch>
-        </p:blipFill>
+        </p:nvSpPr>
         <p:spPr>
           <a:xfrm>
-            <a:off x="2462784" y="5330244"/>
-            <a:ext cx="7256908" cy="990117"/>
-          </a:xfrm>
-          <a:prstGeom prst="rect">
-            <a:avLst/>
-          </a:prstGeom>
-        </p:spPr>
-      </p:pic>
-      <p:sp>
-        <p:nvSpPr>
-          <p:cNvPr id="9" name="TextBox 8">
-            <a:extLst>
-              <a:ext uri="{FF2B5EF4-FFF2-40B4-BE49-F238E27FC236}">
-                <a16:creationId xmlns:a16="http://schemas.microsoft.com/office/drawing/2014/main" id="{437FA252-4E64-E4EE-FCAD-7F9A76259C08}"/>
-              </a:ext>
-            </a:extLst>
-          </p:cNvPr>
-          <p:cNvSpPr txBox="1"/>
-          <p:nvPr/>
-        </p:nvSpPr>
-        <p:spPr>
-          <a:xfrm>
-            <a:off x="515938" y="1209948"/>
+            <a:off x="515936" y="1311564"/>
             <a:ext cx="2827627" cy="526471"/>
           </a:xfrm>
           <a:prstGeom prst="rect">
@@ -5043,7 +5399,7 @@
           <a:p>
             <a:r>
               <a:rPr lang="en-US" sz="2800" b="1" dirty="0"/>
-              <a:t>Verilog Model</a:t>
+              <a:t>Hardware Model</a:t>
             </a:r>
           </a:p>
         </p:txBody>
@@ -5051,7 +5407,7 @@
     </p:spTree>
     <p:extLst>
       <p:ext uri="{BB962C8B-B14F-4D97-AF65-F5344CB8AC3E}">
-        <p14:creationId xmlns:p14="http://schemas.microsoft.com/office/powerpoint/2010/main" val="3201607725"/>
+        <p14:creationId xmlns:p14="http://schemas.microsoft.com/office/powerpoint/2010/main" val="338960499"/>
       </p:ext>
     </p:extLst>
   </p:cSld>
@@ -5083,6 +5439,188 @@
           <p:cNvPr id="2" name="Slide Number Placeholder 1">
             <a:extLst>
               <a:ext uri="{FF2B5EF4-FFF2-40B4-BE49-F238E27FC236}">
+                <a16:creationId xmlns:a16="http://schemas.microsoft.com/office/drawing/2014/main" id="{9CC32EF3-08B2-F448-FA1D-F5F24D6EF4FF}"/>
+              </a:ext>
+            </a:extLst>
+          </p:cNvPr>
+          <p:cNvSpPr>
+            <a:spLocks noGrp="1"/>
+          </p:cNvSpPr>
+          <p:nvPr>
+            <p:ph type="sldNum" sz="quarter" idx="12"/>
+          </p:nvPr>
+        </p:nvSpPr>
+        <p:spPr/>
+        <p:txBody>
+          <a:bodyPr/>
+          <a:lstStyle/>
+          <a:p>
+            <a:fld id="{9EC71654-96A5-4280-94F3-931C61A9F92C}" type="slidenum">
+              <a:rPr lang="en-US" noProof="0" smtClean="0"/>
+              <a:pPr/>
+              <a:t>8</a:t>
+            </a:fld>
+            <a:endParaRPr lang="en-US" noProof="0" dirty="0"/>
+          </a:p>
+        </p:txBody>
+      </p:sp>
+      <p:pic>
+        <p:nvPicPr>
+          <p:cNvPr id="6" name="Content Placeholder 5" descr="Text, letter&#10;&#10;Description automatically generated">
+            <a:extLst>
+              <a:ext uri="{FF2B5EF4-FFF2-40B4-BE49-F238E27FC236}">
+                <a16:creationId xmlns:a16="http://schemas.microsoft.com/office/drawing/2014/main" id="{F65F3140-4E34-5404-3029-FF8DC010D445}"/>
+              </a:ext>
+            </a:extLst>
+          </p:cNvPr>
+          <p:cNvPicPr>
+            <a:picLocks noGrp="1" noChangeAspect="1"/>
+          </p:cNvPicPr>
+          <p:nvPr>
+            <p:ph idx="1"/>
+          </p:nvPr>
+        </p:nvPicPr>
+        <p:blipFill>
+          <a:blip r:embed="rId2"/>
+          <a:stretch>
+            <a:fillRect/>
+          </a:stretch>
+        </p:blipFill>
+        <p:spPr>
+          <a:xfrm>
+            <a:off x="1951603" y="1779410"/>
+            <a:ext cx="8279270" cy="3299180"/>
+          </a:xfrm>
+        </p:spPr>
+      </p:pic>
+      <p:sp>
+        <p:nvSpPr>
+          <p:cNvPr id="4" name="Title 3">
+            <a:extLst>
+              <a:ext uri="{FF2B5EF4-FFF2-40B4-BE49-F238E27FC236}">
+                <a16:creationId xmlns:a16="http://schemas.microsoft.com/office/drawing/2014/main" id="{A4307B65-0F23-7803-2405-E236A4493204}"/>
+              </a:ext>
+            </a:extLst>
+          </p:cNvPr>
+          <p:cNvSpPr>
+            <a:spLocks noGrp="1"/>
+          </p:cNvSpPr>
+          <p:nvPr>
+            <p:ph type="title"/>
+          </p:nvPr>
+        </p:nvSpPr>
+        <p:spPr/>
+        <p:txBody>
+          <a:bodyPr/>
+          <a:lstStyle/>
+          <a:p>
+            <a:r>
+              <a:rPr lang="en-US" dirty="0"/>
+              <a:t>Implementation</a:t>
+            </a:r>
+          </a:p>
+        </p:txBody>
+      </p:sp>
+      <p:pic>
+        <p:nvPicPr>
+          <p:cNvPr id="8" name="Picture 7" descr="A picture containing text&#10;&#10;Description automatically generated">
+            <a:extLst>
+              <a:ext uri="{FF2B5EF4-FFF2-40B4-BE49-F238E27FC236}">
+                <a16:creationId xmlns:a16="http://schemas.microsoft.com/office/drawing/2014/main" id="{07757338-4CE8-542D-9D0D-18EB48561089}"/>
+              </a:ext>
+            </a:extLst>
+          </p:cNvPr>
+          <p:cNvPicPr>
+            <a:picLocks noChangeAspect="1"/>
+          </p:cNvPicPr>
+          <p:nvPr/>
+        </p:nvPicPr>
+        <p:blipFill>
+          <a:blip r:embed="rId3"/>
+          <a:stretch>
+            <a:fillRect/>
+          </a:stretch>
+        </p:blipFill>
+        <p:spPr>
+          <a:xfrm>
+            <a:off x="2462784" y="5330244"/>
+            <a:ext cx="7256908" cy="990117"/>
+          </a:xfrm>
+          <a:prstGeom prst="rect">
+            <a:avLst/>
+          </a:prstGeom>
+        </p:spPr>
+      </p:pic>
+      <p:sp>
+        <p:nvSpPr>
+          <p:cNvPr id="9" name="TextBox 8">
+            <a:extLst>
+              <a:ext uri="{FF2B5EF4-FFF2-40B4-BE49-F238E27FC236}">
+                <a16:creationId xmlns:a16="http://schemas.microsoft.com/office/drawing/2014/main" id="{437FA252-4E64-E4EE-FCAD-7F9A76259C08}"/>
+              </a:ext>
+            </a:extLst>
+          </p:cNvPr>
+          <p:cNvSpPr txBox="1"/>
+          <p:nvPr/>
+        </p:nvSpPr>
+        <p:spPr>
+          <a:xfrm>
+            <a:off x="515938" y="1209948"/>
+            <a:ext cx="2827627" cy="526471"/>
+          </a:xfrm>
+          <a:prstGeom prst="rect">
+            <a:avLst/>
+          </a:prstGeom>
+          <a:noFill/>
+        </p:spPr>
+        <p:txBody>
+          <a:bodyPr wrap="square" rtlCol="0">
+            <a:spAutoFit/>
+          </a:bodyPr>
+          <a:lstStyle/>
+          <a:p>
+            <a:r>
+              <a:rPr lang="en-US" sz="2800" b="1" dirty="0"/>
+              <a:t>Verilog Model</a:t>
+            </a:r>
+          </a:p>
+        </p:txBody>
+      </p:sp>
+    </p:spTree>
+    <p:extLst>
+      <p:ext uri="{BB962C8B-B14F-4D97-AF65-F5344CB8AC3E}">
+        <p14:creationId xmlns:p14="http://schemas.microsoft.com/office/powerpoint/2010/main" val="3201607725"/>
+      </p:ext>
+    </p:extLst>
+  </p:cSld>
+  <p:clrMapOvr>
+    <a:masterClrMapping/>
+  </p:clrMapOvr>
+</p:sld>
+</file>
+
+<file path=ppt/slides/slide9.xml><?xml version="1.0" encoding="utf-8"?>
+<p:sld xmlns:a="http://schemas.openxmlformats.org/drawingml/2006/main" xmlns:r="http://schemas.openxmlformats.org/officeDocument/2006/relationships" xmlns:p="http://schemas.openxmlformats.org/presentationml/2006/main">
+  <p:cSld>
+    <p:spTree>
+      <p:nvGrpSpPr>
+        <p:cNvPr id="1" name=""/>
+        <p:cNvGrpSpPr/>
+        <p:nvPr/>
+      </p:nvGrpSpPr>
+      <p:grpSpPr>
+        <a:xfrm>
+          <a:off x="0" y="0"/>
+          <a:ext cx="0" cy="0"/>
+          <a:chOff x="0" y="0"/>
+          <a:chExt cx="0" cy="0"/>
+        </a:xfrm>
+      </p:grpSpPr>
+      <p:sp>
+        <p:nvSpPr>
+          <p:cNvPr id="2" name="Slide Number Placeholder 1">
+            <a:extLst>
+              <a:ext uri="{FF2B5EF4-FFF2-40B4-BE49-F238E27FC236}">
                 <a16:creationId xmlns:a16="http://schemas.microsoft.com/office/drawing/2014/main" id="{41ED8567-47FC-73E3-73A1-BEE543B5AD9F}"/>
               </a:ext>
             </a:extLst>
@@ -5118,7 +5656,7 @@
                   <a:spcPts val="600"/>
                 </a:spcAft>
               </a:pPr>
-              <a:t>8</a:t>
+              <a:t>9</a:t>
             </a:fld>
             <a:endParaRPr lang="en-US" noProof="0"/>
           </a:p>
